--- a/base_template_fsu.pptx
+++ b/base_template_fsu.pptx
@@ -5,10 +5,14 @@
     <p:sldMasterId id="2147483648" r:id="rId4"/>
   </p:sldMasterIdLst>
   <p:notesMasterIdLst>
-    <p:notesMasterId r:id="rId6"/>
+    <p:notesMasterId r:id="rId10"/>
   </p:notesMasterIdLst>
   <p:sldIdLst>
     <p:sldId id="287" r:id="rId5"/>
+    <p:sldId id="288" r:id="rId6"/>
+    <p:sldId id="289" r:id="rId7"/>
+    <p:sldId id="290" r:id="rId8"/>
+    <p:sldId id="291" r:id="rId9"/>
   </p:sldIdLst>
   <p:sldSz cx="12192000" cy="6858000"/>
   <p:notesSz cx="6858000" cy="9144000"/>
@@ -107,6 +111,11 @@
       </a:defRPr>
     </a:lvl9pPr>
   </p:defaultTextStyle>
+  <p:extLst>
+    <p:ext uri="{EFAFB233-063F-42B5-8137-9DF3F51BA10A}">
+      <p15:sldGuideLst xmlns:p15="http://schemas.microsoft.com/office/powerpoint/2012/main"/>
+    </p:ext>
+  </p:extLst>
 </p:presentation>
 </file>
 
@@ -204,7 +213,7 @@
           <a:p>
             <a:fld id="{614988CA-3B2F-453D-9D57-2E903A6A3148}" type="datetimeFigureOut">
               <a:rPr lang="en-DE" smtClean="0"/>
-              <a:t>21/01/2024</a:t>
+              <a:t>17/03/2024</a:t>
             </a:fld>
             <a:endParaRPr lang="en-DE"/>
           </a:p>
@@ -585,6 +594,458 @@
 </p:notes>
 </file>
 
+<file path=ppt/notesSlides/notesSlide2.xml><?xml version="1.0" encoding="utf-8"?>
+<p:notes xmlns:a="http://schemas.openxmlformats.org/drawingml/2006/main" xmlns:r="http://schemas.openxmlformats.org/officeDocument/2006/relationships" xmlns:p="http://schemas.openxmlformats.org/presentationml/2006/main">
+  <p:cSld>
+    <p:spTree>
+      <p:nvGrpSpPr>
+        <p:cNvPr id="1" name="">
+          <a:extLst>
+            <a:ext uri="{FF2B5EF4-FFF2-40B4-BE49-F238E27FC236}">
+              <a16:creationId xmlns:a16="http://schemas.microsoft.com/office/drawing/2014/main" id="{4AB0CADA-7551-BAAC-08F9-239562E5F56C}"/>
+            </a:ext>
+          </a:extLst>
+        </p:cNvPr>
+        <p:cNvGrpSpPr/>
+        <p:nvPr/>
+      </p:nvGrpSpPr>
+      <p:grpSpPr>
+        <a:xfrm>
+          <a:off x="0" y="0"/>
+          <a:ext cx="0" cy="0"/>
+          <a:chOff x="0" y="0"/>
+          <a:chExt cx="0" cy="0"/>
+        </a:xfrm>
+      </p:grpSpPr>
+      <p:sp>
+        <p:nvSpPr>
+          <p:cNvPr id="2" name="Folienbildplatzhalter 1">
+            <a:extLst>
+              <a:ext uri="{FF2B5EF4-FFF2-40B4-BE49-F238E27FC236}">
+                <a16:creationId xmlns:a16="http://schemas.microsoft.com/office/drawing/2014/main" id="{D7C37756-CBA3-C1D4-35F8-4C6448E9E98B}"/>
+              </a:ext>
+            </a:extLst>
+          </p:cNvPr>
+          <p:cNvSpPr>
+            <a:spLocks noGrp="1" noRot="1" noChangeAspect="1"/>
+          </p:cNvSpPr>
+          <p:nvPr>
+            <p:ph type="sldImg"/>
+          </p:nvPr>
+        </p:nvSpPr>
+        <p:spPr>
+          <a:xfrm>
+            <a:off x="381000" y="685800"/>
+            <a:ext cx="6096000" cy="3429000"/>
+          </a:xfrm>
+        </p:spPr>
+      </p:sp>
+      <p:sp>
+        <p:nvSpPr>
+          <p:cNvPr id="3" name="Notizenplatzhalter 2">
+            <a:extLst>
+              <a:ext uri="{FF2B5EF4-FFF2-40B4-BE49-F238E27FC236}">
+                <a16:creationId xmlns:a16="http://schemas.microsoft.com/office/drawing/2014/main" id="{DB53E5FE-22F7-4675-B133-A8882FC1CC37}"/>
+              </a:ext>
+            </a:extLst>
+          </p:cNvPr>
+          <p:cNvSpPr>
+            <a:spLocks noGrp="1"/>
+          </p:cNvSpPr>
+          <p:nvPr>
+            <p:ph type="body" idx="1"/>
+          </p:nvPr>
+        </p:nvSpPr>
+        <p:spPr/>
+        <p:txBody>
+          <a:bodyPr/>
+          <a:lstStyle/>
+          <a:p>
+            <a:endParaRPr lang="de-DE" dirty="0"/>
+          </a:p>
+        </p:txBody>
+      </p:sp>
+      <p:sp>
+        <p:nvSpPr>
+          <p:cNvPr id="4" name="Foliennummernplatzhalter 3">
+            <a:extLst>
+              <a:ext uri="{FF2B5EF4-FFF2-40B4-BE49-F238E27FC236}">
+                <a16:creationId xmlns:a16="http://schemas.microsoft.com/office/drawing/2014/main" id="{E5A84481-7EF7-0FD6-135E-0245E5BC876E}"/>
+              </a:ext>
+            </a:extLst>
+          </p:cNvPr>
+          <p:cNvSpPr>
+            <a:spLocks noGrp="1"/>
+          </p:cNvSpPr>
+          <p:nvPr>
+            <p:ph type="sldNum" sz="quarter" idx="10"/>
+          </p:nvPr>
+        </p:nvSpPr>
+        <p:spPr/>
+        <p:txBody>
+          <a:bodyPr/>
+          <a:lstStyle/>
+          <a:p>
+            <a:fld id="{5BDADD7A-5464-40FD-B5CC-4CA36D7CC1F5}" type="slidenum">
+              <a:rPr lang="de-DE" smtClean="0"/>
+              <a:t>2</a:t>
+            </a:fld>
+            <a:endParaRPr lang="de-DE"/>
+          </a:p>
+        </p:txBody>
+      </p:sp>
+    </p:spTree>
+    <p:extLst>
+      <p:ext uri="{BB962C8B-B14F-4D97-AF65-F5344CB8AC3E}">
+        <p14:creationId xmlns:p14="http://schemas.microsoft.com/office/powerpoint/2010/main" val="3023034784"/>
+      </p:ext>
+    </p:extLst>
+  </p:cSld>
+  <p:clrMapOvr>
+    <a:masterClrMapping/>
+  </p:clrMapOvr>
+</p:notes>
+</file>
+
+<file path=ppt/notesSlides/notesSlide3.xml><?xml version="1.0" encoding="utf-8"?>
+<p:notes xmlns:a="http://schemas.openxmlformats.org/drawingml/2006/main" xmlns:r="http://schemas.openxmlformats.org/officeDocument/2006/relationships" xmlns:p="http://schemas.openxmlformats.org/presentationml/2006/main">
+  <p:cSld>
+    <p:spTree>
+      <p:nvGrpSpPr>
+        <p:cNvPr id="1" name="">
+          <a:extLst>
+            <a:ext uri="{FF2B5EF4-FFF2-40B4-BE49-F238E27FC236}">
+              <a16:creationId xmlns:a16="http://schemas.microsoft.com/office/drawing/2014/main" id="{4AB0CADA-7551-BAAC-08F9-239562E5F56C}"/>
+            </a:ext>
+          </a:extLst>
+        </p:cNvPr>
+        <p:cNvGrpSpPr/>
+        <p:nvPr/>
+      </p:nvGrpSpPr>
+      <p:grpSpPr>
+        <a:xfrm>
+          <a:off x="0" y="0"/>
+          <a:ext cx="0" cy="0"/>
+          <a:chOff x="0" y="0"/>
+          <a:chExt cx="0" cy="0"/>
+        </a:xfrm>
+      </p:grpSpPr>
+      <p:sp>
+        <p:nvSpPr>
+          <p:cNvPr id="2" name="Folienbildplatzhalter 1">
+            <a:extLst>
+              <a:ext uri="{FF2B5EF4-FFF2-40B4-BE49-F238E27FC236}">
+                <a16:creationId xmlns:a16="http://schemas.microsoft.com/office/drawing/2014/main" id="{D7C37756-CBA3-C1D4-35F8-4C6448E9E98B}"/>
+              </a:ext>
+            </a:extLst>
+          </p:cNvPr>
+          <p:cNvSpPr>
+            <a:spLocks noGrp="1" noRot="1" noChangeAspect="1"/>
+          </p:cNvSpPr>
+          <p:nvPr>
+            <p:ph type="sldImg"/>
+          </p:nvPr>
+        </p:nvSpPr>
+        <p:spPr>
+          <a:xfrm>
+            <a:off x="381000" y="685800"/>
+            <a:ext cx="6096000" cy="3429000"/>
+          </a:xfrm>
+        </p:spPr>
+      </p:sp>
+      <p:sp>
+        <p:nvSpPr>
+          <p:cNvPr id="3" name="Notizenplatzhalter 2">
+            <a:extLst>
+              <a:ext uri="{FF2B5EF4-FFF2-40B4-BE49-F238E27FC236}">
+                <a16:creationId xmlns:a16="http://schemas.microsoft.com/office/drawing/2014/main" id="{DB53E5FE-22F7-4675-B133-A8882FC1CC37}"/>
+              </a:ext>
+            </a:extLst>
+          </p:cNvPr>
+          <p:cNvSpPr>
+            <a:spLocks noGrp="1"/>
+          </p:cNvSpPr>
+          <p:nvPr>
+            <p:ph type="body" idx="1"/>
+          </p:nvPr>
+        </p:nvSpPr>
+        <p:spPr/>
+        <p:txBody>
+          <a:bodyPr/>
+          <a:lstStyle/>
+          <a:p>
+            <a:endParaRPr lang="de-DE" dirty="0"/>
+          </a:p>
+        </p:txBody>
+      </p:sp>
+      <p:sp>
+        <p:nvSpPr>
+          <p:cNvPr id="4" name="Foliennummernplatzhalter 3">
+            <a:extLst>
+              <a:ext uri="{FF2B5EF4-FFF2-40B4-BE49-F238E27FC236}">
+                <a16:creationId xmlns:a16="http://schemas.microsoft.com/office/drawing/2014/main" id="{E5A84481-7EF7-0FD6-135E-0245E5BC876E}"/>
+              </a:ext>
+            </a:extLst>
+          </p:cNvPr>
+          <p:cNvSpPr>
+            <a:spLocks noGrp="1"/>
+          </p:cNvSpPr>
+          <p:nvPr>
+            <p:ph type="sldNum" sz="quarter" idx="10"/>
+          </p:nvPr>
+        </p:nvSpPr>
+        <p:spPr/>
+        <p:txBody>
+          <a:bodyPr/>
+          <a:lstStyle/>
+          <a:p>
+            <a:fld id="{5BDADD7A-5464-40FD-B5CC-4CA36D7CC1F5}" type="slidenum">
+              <a:rPr lang="de-DE" smtClean="0"/>
+              <a:t>3</a:t>
+            </a:fld>
+            <a:endParaRPr lang="de-DE"/>
+          </a:p>
+        </p:txBody>
+      </p:sp>
+    </p:spTree>
+    <p:extLst>
+      <p:ext uri="{BB962C8B-B14F-4D97-AF65-F5344CB8AC3E}">
+        <p14:creationId xmlns:p14="http://schemas.microsoft.com/office/powerpoint/2010/main" val="1527264590"/>
+      </p:ext>
+    </p:extLst>
+  </p:cSld>
+  <p:clrMapOvr>
+    <a:masterClrMapping/>
+  </p:clrMapOvr>
+</p:notes>
+</file>
+
+<file path=ppt/notesSlides/notesSlide4.xml><?xml version="1.0" encoding="utf-8"?>
+<p:notes xmlns:a="http://schemas.openxmlformats.org/drawingml/2006/main" xmlns:r="http://schemas.openxmlformats.org/officeDocument/2006/relationships" xmlns:p="http://schemas.openxmlformats.org/presentationml/2006/main">
+  <p:cSld>
+    <p:spTree>
+      <p:nvGrpSpPr>
+        <p:cNvPr id="1" name="">
+          <a:extLst>
+            <a:ext uri="{FF2B5EF4-FFF2-40B4-BE49-F238E27FC236}">
+              <a16:creationId xmlns:a16="http://schemas.microsoft.com/office/drawing/2014/main" id="{4AB0CADA-7551-BAAC-08F9-239562E5F56C}"/>
+            </a:ext>
+          </a:extLst>
+        </p:cNvPr>
+        <p:cNvGrpSpPr/>
+        <p:nvPr/>
+      </p:nvGrpSpPr>
+      <p:grpSpPr>
+        <a:xfrm>
+          <a:off x="0" y="0"/>
+          <a:ext cx="0" cy="0"/>
+          <a:chOff x="0" y="0"/>
+          <a:chExt cx="0" cy="0"/>
+        </a:xfrm>
+      </p:grpSpPr>
+      <p:sp>
+        <p:nvSpPr>
+          <p:cNvPr id="2" name="Folienbildplatzhalter 1">
+            <a:extLst>
+              <a:ext uri="{FF2B5EF4-FFF2-40B4-BE49-F238E27FC236}">
+                <a16:creationId xmlns:a16="http://schemas.microsoft.com/office/drawing/2014/main" id="{D7C37756-CBA3-C1D4-35F8-4C6448E9E98B}"/>
+              </a:ext>
+            </a:extLst>
+          </p:cNvPr>
+          <p:cNvSpPr>
+            <a:spLocks noGrp="1" noRot="1" noChangeAspect="1"/>
+          </p:cNvSpPr>
+          <p:nvPr>
+            <p:ph type="sldImg"/>
+          </p:nvPr>
+        </p:nvSpPr>
+        <p:spPr>
+          <a:xfrm>
+            <a:off x="381000" y="685800"/>
+            <a:ext cx="6096000" cy="3429000"/>
+          </a:xfrm>
+        </p:spPr>
+      </p:sp>
+      <p:sp>
+        <p:nvSpPr>
+          <p:cNvPr id="3" name="Notizenplatzhalter 2">
+            <a:extLst>
+              <a:ext uri="{FF2B5EF4-FFF2-40B4-BE49-F238E27FC236}">
+                <a16:creationId xmlns:a16="http://schemas.microsoft.com/office/drawing/2014/main" id="{DB53E5FE-22F7-4675-B133-A8882FC1CC37}"/>
+              </a:ext>
+            </a:extLst>
+          </p:cNvPr>
+          <p:cNvSpPr>
+            <a:spLocks noGrp="1"/>
+          </p:cNvSpPr>
+          <p:nvPr>
+            <p:ph type="body" idx="1"/>
+          </p:nvPr>
+        </p:nvSpPr>
+        <p:spPr/>
+        <p:txBody>
+          <a:bodyPr/>
+          <a:lstStyle/>
+          <a:p>
+            <a:endParaRPr lang="de-DE" dirty="0"/>
+          </a:p>
+        </p:txBody>
+      </p:sp>
+      <p:sp>
+        <p:nvSpPr>
+          <p:cNvPr id="4" name="Foliennummernplatzhalter 3">
+            <a:extLst>
+              <a:ext uri="{FF2B5EF4-FFF2-40B4-BE49-F238E27FC236}">
+                <a16:creationId xmlns:a16="http://schemas.microsoft.com/office/drawing/2014/main" id="{E5A84481-7EF7-0FD6-135E-0245E5BC876E}"/>
+              </a:ext>
+            </a:extLst>
+          </p:cNvPr>
+          <p:cNvSpPr>
+            <a:spLocks noGrp="1"/>
+          </p:cNvSpPr>
+          <p:nvPr>
+            <p:ph type="sldNum" sz="quarter" idx="10"/>
+          </p:nvPr>
+        </p:nvSpPr>
+        <p:spPr/>
+        <p:txBody>
+          <a:bodyPr/>
+          <a:lstStyle/>
+          <a:p>
+            <a:fld id="{5BDADD7A-5464-40FD-B5CC-4CA36D7CC1F5}" type="slidenum">
+              <a:rPr lang="de-DE" smtClean="0"/>
+              <a:t>4</a:t>
+            </a:fld>
+            <a:endParaRPr lang="de-DE"/>
+          </a:p>
+        </p:txBody>
+      </p:sp>
+    </p:spTree>
+    <p:extLst>
+      <p:ext uri="{BB962C8B-B14F-4D97-AF65-F5344CB8AC3E}">
+        <p14:creationId xmlns:p14="http://schemas.microsoft.com/office/powerpoint/2010/main" val="1691448003"/>
+      </p:ext>
+    </p:extLst>
+  </p:cSld>
+  <p:clrMapOvr>
+    <a:masterClrMapping/>
+  </p:clrMapOvr>
+</p:notes>
+</file>
+
+<file path=ppt/notesSlides/notesSlide5.xml><?xml version="1.0" encoding="utf-8"?>
+<p:notes xmlns:a="http://schemas.openxmlformats.org/drawingml/2006/main" xmlns:r="http://schemas.openxmlformats.org/officeDocument/2006/relationships" xmlns:p="http://schemas.openxmlformats.org/presentationml/2006/main">
+  <p:cSld>
+    <p:spTree>
+      <p:nvGrpSpPr>
+        <p:cNvPr id="1" name="">
+          <a:extLst>
+            <a:ext uri="{FF2B5EF4-FFF2-40B4-BE49-F238E27FC236}">
+              <a16:creationId xmlns:a16="http://schemas.microsoft.com/office/drawing/2014/main" id="{4AB0CADA-7551-BAAC-08F9-239562E5F56C}"/>
+            </a:ext>
+          </a:extLst>
+        </p:cNvPr>
+        <p:cNvGrpSpPr/>
+        <p:nvPr/>
+      </p:nvGrpSpPr>
+      <p:grpSpPr>
+        <a:xfrm>
+          <a:off x="0" y="0"/>
+          <a:ext cx="0" cy="0"/>
+          <a:chOff x="0" y="0"/>
+          <a:chExt cx="0" cy="0"/>
+        </a:xfrm>
+      </p:grpSpPr>
+      <p:sp>
+        <p:nvSpPr>
+          <p:cNvPr id="2" name="Folienbildplatzhalter 1">
+            <a:extLst>
+              <a:ext uri="{FF2B5EF4-FFF2-40B4-BE49-F238E27FC236}">
+                <a16:creationId xmlns:a16="http://schemas.microsoft.com/office/drawing/2014/main" id="{D7C37756-CBA3-C1D4-35F8-4C6448E9E98B}"/>
+              </a:ext>
+            </a:extLst>
+          </p:cNvPr>
+          <p:cNvSpPr>
+            <a:spLocks noGrp="1" noRot="1" noChangeAspect="1"/>
+          </p:cNvSpPr>
+          <p:nvPr>
+            <p:ph type="sldImg"/>
+          </p:nvPr>
+        </p:nvSpPr>
+        <p:spPr>
+          <a:xfrm>
+            <a:off x="381000" y="685800"/>
+            <a:ext cx="6096000" cy="3429000"/>
+          </a:xfrm>
+        </p:spPr>
+      </p:sp>
+      <p:sp>
+        <p:nvSpPr>
+          <p:cNvPr id="3" name="Notizenplatzhalter 2">
+            <a:extLst>
+              <a:ext uri="{FF2B5EF4-FFF2-40B4-BE49-F238E27FC236}">
+                <a16:creationId xmlns:a16="http://schemas.microsoft.com/office/drawing/2014/main" id="{DB53E5FE-22F7-4675-B133-A8882FC1CC37}"/>
+              </a:ext>
+            </a:extLst>
+          </p:cNvPr>
+          <p:cNvSpPr>
+            <a:spLocks noGrp="1"/>
+          </p:cNvSpPr>
+          <p:nvPr>
+            <p:ph type="body" idx="1"/>
+          </p:nvPr>
+        </p:nvSpPr>
+        <p:spPr/>
+        <p:txBody>
+          <a:bodyPr/>
+          <a:lstStyle/>
+          <a:p>
+            <a:endParaRPr lang="de-DE" dirty="0"/>
+          </a:p>
+        </p:txBody>
+      </p:sp>
+      <p:sp>
+        <p:nvSpPr>
+          <p:cNvPr id="4" name="Foliennummernplatzhalter 3">
+            <a:extLst>
+              <a:ext uri="{FF2B5EF4-FFF2-40B4-BE49-F238E27FC236}">
+                <a16:creationId xmlns:a16="http://schemas.microsoft.com/office/drawing/2014/main" id="{E5A84481-7EF7-0FD6-135E-0245E5BC876E}"/>
+              </a:ext>
+            </a:extLst>
+          </p:cNvPr>
+          <p:cNvSpPr>
+            <a:spLocks noGrp="1"/>
+          </p:cNvSpPr>
+          <p:nvPr>
+            <p:ph type="sldNum" sz="quarter" idx="10"/>
+          </p:nvPr>
+        </p:nvSpPr>
+        <p:spPr/>
+        <p:txBody>
+          <a:bodyPr/>
+          <a:lstStyle/>
+          <a:p>
+            <a:fld id="{5BDADD7A-5464-40FD-B5CC-4CA36D7CC1F5}" type="slidenum">
+              <a:rPr lang="de-DE" smtClean="0"/>
+              <a:t>5</a:t>
+            </a:fld>
+            <a:endParaRPr lang="de-DE"/>
+          </a:p>
+        </p:txBody>
+      </p:sp>
+    </p:spTree>
+    <p:extLst>
+      <p:ext uri="{BB962C8B-B14F-4D97-AF65-F5344CB8AC3E}">
+        <p14:creationId xmlns:p14="http://schemas.microsoft.com/office/powerpoint/2010/main" val="1222966611"/>
+      </p:ext>
+    </p:extLst>
+  </p:cSld>
+  <p:clrMapOvr>
+    <a:masterClrMapping/>
+  </p:clrMapOvr>
+</p:notes>
+</file>
+
 <file path=ppt/slideLayouts/slideLayout1.xml><?xml version="1.0" encoding="utf-8"?>
 <p:sldLayout xmlns:a="http://schemas.openxmlformats.org/drawingml/2006/main" xmlns:r="http://schemas.openxmlformats.org/officeDocument/2006/relationships" xmlns:p="http://schemas.openxmlformats.org/presentationml/2006/main" type="title" preserve="1">
   <p:cSld name="Title Slide">
@@ -734,7 +1195,7 @@
           <a:p>
             <a:fld id="{55279995-E908-4392-823F-27938C9CEB04}" type="datetimeFigureOut">
               <a:rPr lang="en-DE" smtClean="0"/>
-              <a:t>21/01/2024</a:t>
+              <a:t>17/03/2024</a:t>
             </a:fld>
             <a:endParaRPr lang="en-DE"/>
           </a:p>
@@ -934,7 +1395,7 @@
           <a:p>
             <a:fld id="{55279995-E908-4392-823F-27938C9CEB04}" type="datetimeFigureOut">
               <a:rPr lang="en-DE" smtClean="0"/>
-              <a:t>21/01/2024</a:t>
+              <a:t>17/03/2024</a:t>
             </a:fld>
             <a:endParaRPr lang="en-DE"/>
           </a:p>
@@ -1144,7 +1605,7 @@
           <a:p>
             <a:fld id="{55279995-E908-4392-823F-27938C9CEB04}" type="datetimeFigureOut">
               <a:rPr lang="en-DE" smtClean="0"/>
-              <a:t>21/01/2024</a:t>
+              <a:t>17/03/2024</a:t>
             </a:fld>
             <a:endParaRPr lang="en-DE"/>
           </a:p>
@@ -1586,7 +2047,7 @@
           <a:p>
             <a:fld id="{55279995-E908-4392-823F-27938C9CEB04}" type="datetimeFigureOut">
               <a:rPr lang="en-DE" smtClean="0"/>
-              <a:t>21/01/2024</a:t>
+              <a:t>17/03/2024</a:t>
             </a:fld>
             <a:endParaRPr lang="en-DE"/>
           </a:p>
@@ -1862,7 +2323,7 @@
           <a:p>
             <a:fld id="{55279995-E908-4392-823F-27938C9CEB04}" type="datetimeFigureOut">
               <a:rPr lang="en-DE" smtClean="0"/>
-              <a:t>21/01/2024</a:t>
+              <a:t>17/03/2024</a:t>
             </a:fld>
             <a:endParaRPr lang="en-DE"/>
           </a:p>
@@ -2130,7 +2591,7 @@
           <a:p>
             <a:fld id="{55279995-E908-4392-823F-27938C9CEB04}" type="datetimeFigureOut">
               <a:rPr lang="en-DE" smtClean="0"/>
-              <a:t>21/01/2024</a:t>
+              <a:t>17/03/2024</a:t>
             </a:fld>
             <a:endParaRPr lang="en-DE"/>
           </a:p>
@@ -2545,7 +3006,7 @@
           <a:p>
             <a:fld id="{55279995-E908-4392-823F-27938C9CEB04}" type="datetimeFigureOut">
               <a:rPr lang="en-DE" smtClean="0"/>
-              <a:t>21/01/2024</a:t>
+              <a:t>17/03/2024</a:t>
             </a:fld>
             <a:endParaRPr lang="en-DE"/>
           </a:p>
@@ -2687,7 +3148,7 @@
           <a:p>
             <a:fld id="{55279995-E908-4392-823F-27938C9CEB04}" type="datetimeFigureOut">
               <a:rPr lang="en-DE" smtClean="0"/>
-              <a:t>21/01/2024</a:t>
+              <a:t>17/03/2024</a:t>
             </a:fld>
             <a:endParaRPr lang="en-DE"/>
           </a:p>
@@ -2800,7 +3261,7 @@
           <a:p>
             <a:fld id="{55279995-E908-4392-823F-27938C9CEB04}" type="datetimeFigureOut">
               <a:rPr lang="en-DE" smtClean="0"/>
-              <a:t>21/01/2024</a:t>
+              <a:t>17/03/2024</a:t>
             </a:fld>
             <a:endParaRPr lang="en-DE"/>
           </a:p>
@@ -3113,7 +3574,7 @@
           <a:p>
             <a:fld id="{55279995-E908-4392-823F-27938C9CEB04}" type="datetimeFigureOut">
               <a:rPr lang="en-DE" smtClean="0"/>
-              <a:t>21/01/2024</a:t>
+              <a:t>17/03/2024</a:t>
             </a:fld>
             <a:endParaRPr lang="en-DE"/>
           </a:p>
@@ -3402,7 +3863,7 @@
           <a:p>
             <a:fld id="{55279995-E908-4392-823F-27938C9CEB04}" type="datetimeFigureOut">
               <a:rPr lang="en-DE" smtClean="0"/>
-              <a:t>21/01/2024</a:t>
+              <a:t>17/03/2024</a:t>
             </a:fld>
             <a:endParaRPr lang="en-DE"/>
           </a:p>
@@ -3645,7 +4106,7 @@
           <a:p>
             <a:fld id="{55279995-E908-4392-823F-27938C9CEB04}" type="datetimeFigureOut">
               <a:rPr lang="en-DE" smtClean="0"/>
-              <a:t>21/01/2024</a:t>
+              <a:t>17/03/2024</a:t>
             </a:fld>
             <a:endParaRPr lang="en-DE"/>
           </a:p>
@@ -4170,6 +4631,471 @@
           </p:style>
         </p:cxnSp>
       </p:grpSp>
+    </p:spTree>
+    <p:extLst>
+      <p:ext uri="{BB962C8B-B14F-4D97-AF65-F5344CB8AC3E}">
+        <p14:creationId xmlns:p14="http://schemas.microsoft.com/office/powerpoint/2010/main" val="3123588603"/>
+      </p:ext>
+    </p:extLst>
+  </p:cSld>
+  <p:clrMapOvr>
+    <a:masterClrMapping/>
+  </p:clrMapOvr>
+</p:sld>
+</file>
+
+<file path=ppt/slides/slide2.xml><?xml version="1.0" encoding="utf-8"?>
+<p:sld xmlns:a="http://schemas.openxmlformats.org/drawingml/2006/main" xmlns:r="http://schemas.openxmlformats.org/officeDocument/2006/relationships" xmlns:p="http://schemas.openxmlformats.org/presentationml/2006/main">
+  <p:cSld>
+    <p:spTree>
+      <p:nvGrpSpPr>
+        <p:cNvPr id="1" name="">
+          <a:extLst>
+            <a:ext uri="{FF2B5EF4-FFF2-40B4-BE49-F238E27FC236}">
+              <a16:creationId xmlns:a16="http://schemas.microsoft.com/office/drawing/2014/main" id="{51DCC368-82B5-4B28-EA87-75A25A9F756F}"/>
+            </a:ext>
+          </a:extLst>
+        </p:cNvPr>
+        <p:cNvGrpSpPr/>
+        <p:nvPr/>
+      </p:nvGrpSpPr>
+      <p:grpSpPr>
+        <a:xfrm>
+          <a:off x="0" y="0"/>
+          <a:ext cx="0" cy="0"/>
+          <a:chOff x="0" y="0"/>
+          <a:chExt cx="0" cy="0"/>
+        </a:xfrm>
+      </p:grpSpPr>
+      <p:grpSp>
+        <p:nvGrpSpPr>
+          <p:cNvPr id="4" name="Gruppieren 3">
+            <a:extLst>
+              <a:ext uri="{FF2B5EF4-FFF2-40B4-BE49-F238E27FC236}">
+                <a16:creationId xmlns:a16="http://schemas.microsoft.com/office/drawing/2014/main" id="{C326AF3A-8E1C-AF11-EB11-B2131B58BA79}"/>
+              </a:ext>
+            </a:extLst>
+          </p:cNvPr>
+          <p:cNvGrpSpPr/>
+          <p:nvPr/>
+        </p:nvGrpSpPr>
+        <p:grpSpPr>
+          <a:xfrm>
+            <a:off x="1992313" y="393601"/>
+            <a:ext cx="8207905" cy="322187"/>
+            <a:chOff x="468311" y="354016"/>
+            <a:chExt cx="8207906" cy="993762"/>
+          </a:xfrm>
+        </p:grpSpPr>
+        <p:sp>
+          <p:nvSpPr>
+            <p:cNvPr id="2" name="Textfeld 1">
+              <a:extLst>
+                <a:ext uri="{FF2B5EF4-FFF2-40B4-BE49-F238E27FC236}">
+                  <a16:creationId xmlns:a16="http://schemas.microsoft.com/office/drawing/2014/main" id="{1448A1C6-3569-E983-A753-D4EB18968808}"/>
+                </a:ext>
+              </a:extLst>
+            </p:cNvPr>
+            <p:cNvSpPr txBox="1"/>
+            <p:nvPr/>
+          </p:nvSpPr>
+          <p:spPr>
+            <a:xfrm>
+              <a:off x="468311" y="518512"/>
+              <a:ext cx="8207906" cy="829266"/>
+            </a:xfrm>
+            <a:prstGeom prst="rect">
+              <a:avLst/>
+            </a:prstGeom>
+            <a:noFill/>
+          </p:spPr>
+          <p:txBody>
+            <a:bodyPr wrap="square" lIns="0" tIns="0" rIns="0" bIns="0" rtlCol="0">
+              <a:noAutofit/>
+            </a:bodyPr>
+            <a:lstStyle/>
+            <a:p>
+              <a:pPr>
+                <a:tabLst>
+                  <a:tab pos="1074712" algn="l"/>
+                </a:tabLst>
+              </a:pPr>
+              <a:endParaRPr lang="de-DE" sz="2133" dirty="0">
+                <a:latin typeface="+mj-lt"/>
+              </a:endParaRPr>
+            </a:p>
+          </p:txBody>
+        </p:sp>
+        <p:cxnSp>
+          <p:nvCxnSpPr>
+            <p:cNvPr id="3" name="Gerade Verbindung 24">
+              <a:extLst>
+                <a:ext uri="{FF2B5EF4-FFF2-40B4-BE49-F238E27FC236}">
+                  <a16:creationId xmlns:a16="http://schemas.microsoft.com/office/drawing/2014/main" id="{7A5C8830-065D-ADEF-43A8-270E78D2F936}"/>
+                </a:ext>
+              </a:extLst>
+            </p:cNvPr>
+            <p:cNvCxnSpPr/>
+            <p:nvPr/>
+          </p:nvCxnSpPr>
+          <p:spPr>
+            <a:xfrm>
+              <a:off x="468312" y="354016"/>
+              <a:ext cx="480000" cy="0"/>
+            </a:xfrm>
+            <a:prstGeom prst="line">
+              <a:avLst/>
+            </a:prstGeom>
+            <a:ln w="38100">
+              <a:solidFill>
+                <a:schemeClr val="tx1"/>
+              </a:solidFill>
+            </a:ln>
+          </p:spPr>
+          <p:style>
+            <a:lnRef idx="1">
+              <a:schemeClr val="accent1"/>
+            </a:lnRef>
+            <a:fillRef idx="0">
+              <a:schemeClr val="accent1"/>
+            </a:fillRef>
+            <a:effectRef idx="0">
+              <a:schemeClr val="accent1"/>
+            </a:effectRef>
+            <a:fontRef idx="minor">
+              <a:schemeClr val="tx1"/>
+            </a:fontRef>
+          </p:style>
+        </p:cxnSp>
+      </p:grpSp>
+      <p:sp>
+        <p:nvSpPr>
+          <p:cNvPr id="6" name="Textfeld 5">
+            <a:extLst>
+              <a:ext uri="{FF2B5EF4-FFF2-40B4-BE49-F238E27FC236}">
+                <a16:creationId xmlns:a16="http://schemas.microsoft.com/office/drawing/2014/main" id="{303C4062-5786-9369-E773-BC1BCFA01DB9}"/>
+              </a:ext>
+            </a:extLst>
+          </p:cNvPr>
+          <p:cNvSpPr txBox="1"/>
+          <p:nvPr/>
+        </p:nvSpPr>
+        <p:spPr>
+          <a:xfrm>
+            <a:off x="1991782" y="417704"/>
+            <a:ext cx="8756878" cy="315382"/>
+          </a:xfrm>
+          <a:prstGeom prst="rect">
+            <a:avLst/>
+          </a:prstGeom>
+          <a:noFill/>
+        </p:spPr>
+        <p:txBody>
+          <a:bodyPr wrap="square" lIns="0" tIns="0" rIns="0" bIns="0" rtlCol="0">
+            <a:noAutofit/>
+          </a:bodyPr>
+          <a:lstStyle/>
+          <a:p>
+            <a:pPr defTabSz="179384">
+              <a:buClr>
+                <a:schemeClr val="accent1"/>
+              </a:buClr>
+              <a:defRPr/>
+            </a:pPr>
+            <a:r>
+              <a:rPr lang="de-DE" sz="1600" b="1" dirty="0"/>
+              <a:t>Subject 1 </a:t>
+            </a:r>
+          </a:p>
+        </p:txBody>
+      </p:sp>
+      <p:pic>
+        <p:nvPicPr>
+          <p:cNvPr id="7" name="Graphic 6">
+            <a:extLst>
+              <a:ext uri="{FF2B5EF4-FFF2-40B4-BE49-F238E27FC236}">
+                <a16:creationId xmlns:a16="http://schemas.microsoft.com/office/drawing/2014/main" id="{2E7FF44C-9C76-7B63-A178-09FC539B1945}"/>
+              </a:ext>
+            </a:extLst>
+          </p:cNvPr>
+          <p:cNvPicPr>
+            <a:picLocks noChangeAspect="1"/>
+          </p:cNvPicPr>
+          <p:nvPr/>
+        </p:nvPicPr>
+        <p:blipFill>
+          <a:blip r:embed="rId3">
+            <a:extLst>
+              <a:ext uri="{28A0092B-C50C-407E-A947-70E740481C1C}">
+                <a14:useLocalDpi xmlns:a14="http://schemas.microsoft.com/office/drawing/2010/main" val="0"/>
+              </a:ext>
+              <a:ext uri="{96DAC541-7B7A-43D3-8B79-37D633B846F1}">
+                <asvg:svgBlip xmlns:asvg="http://schemas.microsoft.com/office/drawing/2016/SVG/main" r:embed="rId4"/>
+              </a:ext>
+            </a:extLst>
+          </a:blip>
+          <a:stretch>
+            <a:fillRect/>
+          </a:stretch>
+        </p:blipFill>
+        <p:spPr>
+          <a:xfrm>
+            <a:off x="525291" y="715788"/>
+            <a:ext cx="5042378" cy="4322038"/>
+          </a:xfrm>
+          <a:prstGeom prst="rect">
+            <a:avLst/>
+          </a:prstGeom>
+        </p:spPr>
+      </p:pic>
+      <p:pic>
+        <p:nvPicPr>
+          <p:cNvPr id="9" name="Graphic 8">
+            <a:extLst>
+              <a:ext uri="{FF2B5EF4-FFF2-40B4-BE49-F238E27FC236}">
+                <a16:creationId xmlns:a16="http://schemas.microsoft.com/office/drawing/2014/main" id="{7A9176CA-F31B-782E-6AC5-F1C3F8F3A050}"/>
+              </a:ext>
+            </a:extLst>
+          </p:cNvPr>
+          <p:cNvPicPr>
+            <a:picLocks noChangeAspect="1"/>
+          </p:cNvPicPr>
+          <p:nvPr/>
+        </p:nvPicPr>
+        <p:blipFill>
+          <a:blip r:embed="rId5">
+            <a:extLst>
+              <a:ext uri="{28A0092B-C50C-407E-A947-70E740481C1C}">
+                <a14:useLocalDpi xmlns:a14="http://schemas.microsoft.com/office/drawing/2010/main" val="0"/>
+              </a:ext>
+              <a:ext uri="{96DAC541-7B7A-43D3-8B79-37D633B846F1}">
+                <asvg:svgBlip xmlns:asvg="http://schemas.microsoft.com/office/drawing/2016/SVG/main" r:embed="rId6"/>
+              </a:ext>
+            </a:extLst>
+          </a:blip>
+          <a:stretch>
+            <a:fillRect/>
+          </a:stretch>
+        </p:blipFill>
+        <p:spPr>
+          <a:xfrm>
+            <a:off x="6639033" y="715788"/>
+            <a:ext cx="5042378" cy="4322038"/>
+          </a:xfrm>
+          <a:prstGeom prst="rect">
+            <a:avLst/>
+          </a:prstGeom>
+        </p:spPr>
+      </p:pic>
+      <p:sp>
+        <p:nvSpPr>
+          <p:cNvPr id="10" name="TextBox 9">
+            <a:extLst>
+              <a:ext uri="{FF2B5EF4-FFF2-40B4-BE49-F238E27FC236}">
+                <a16:creationId xmlns:a16="http://schemas.microsoft.com/office/drawing/2014/main" id="{8F1FCF2B-6B49-0D69-623E-617A043C39B6}"/>
+              </a:ext>
+            </a:extLst>
+          </p:cNvPr>
+          <p:cNvSpPr txBox="1"/>
+          <p:nvPr/>
+        </p:nvSpPr>
+        <p:spPr>
+          <a:xfrm>
+            <a:off x="1854679" y="5236234"/>
+            <a:ext cx="1880559" cy="369332"/>
+          </a:xfrm>
+          <a:prstGeom prst="rect">
+            <a:avLst/>
+          </a:prstGeom>
+          <a:noFill/>
+        </p:spPr>
+        <p:txBody>
+          <a:bodyPr wrap="square" rtlCol="0">
+            <a:spAutoFit/>
+          </a:bodyPr>
+          <a:lstStyle/>
+          <a:p>
+            <a:r>
+              <a:rPr lang="en-US" dirty="0"/>
+              <a:t>Unloaded</a:t>
+            </a:r>
+            <a:endParaRPr lang="en-DE" dirty="0"/>
+          </a:p>
+        </p:txBody>
+      </p:sp>
+      <p:sp>
+        <p:nvSpPr>
+          <p:cNvPr id="11" name="TextBox 10">
+            <a:extLst>
+              <a:ext uri="{FF2B5EF4-FFF2-40B4-BE49-F238E27FC236}">
+                <a16:creationId xmlns:a16="http://schemas.microsoft.com/office/drawing/2014/main" id="{5C29EFD6-62ED-10BD-F18A-4228DE12D40C}"/>
+              </a:ext>
+            </a:extLst>
+          </p:cNvPr>
+          <p:cNvSpPr txBox="1"/>
+          <p:nvPr/>
+        </p:nvSpPr>
+        <p:spPr>
+          <a:xfrm>
+            <a:off x="8813321" y="5236234"/>
+            <a:ext cx="1880559" cy="369332"/>
+          </a:xfrm>
+          <a:prstGeom prst="rect">
+            <a:avLst/>
+          </a:prstGeom>
+          <a:noFill/>
+        </p:spPr>
+        <p:txBody>
+          <a:bodyPr wrap="square" rtlCol="0">
+            <a:spAutoFit/>
+          </a:bodyPr>
+          <a:lstStyle/>
+          <a:p>
+            <a:r>
+              <a:rPr lang="en-US" dirty="0"/>
+              <a:t>Loaded</a:t>
+            </a:r>
+            <a:endParaRPr lang="en-DE" dirty="0"/>
+          </a:p>
+        </p:txBody>
+      </p:sp>
+    </p:spTree>
+    <p:extLst>
+      <p:ext uri="{BB962C8B-B14F-4D97-AF65-F5344CB8AC3E}">
+        <p14:creationId xmlns:p14="http://schemas.microsoft.com/office/powerpoint/2010/main" val="3489050048"/>
+      </p:ext>
+    </p:extLst>
+  </p:cSld>
+  <p:clrMapOvr>
+    <a:masterClrMapping/>
+  </p:clrMapOvr>
+</p:sld>
+</file>
+
+<file path=ppt/slides/slide3.xml><?xml version="1.0" encoding="utf-8"?>
+<p:sld xmlns:a="http://schemas.openxmlformats.org/drawingml/2006/main" xmlns:r="http://schemas.openxmlformats.org/officeDocument/2006/relationships" xmlns:p="http://schemas.openxmlformats.org/presentationml/2006/main">
+  <p:cSld>
+    <p:spTree>
+      <p:nvGrpSpPr>
+        <p:cNvPr id="1" name="">
+          <a:extLst>
+            <a:ext uri="{FF2B5EF4-FFF2-40B4-BE49-F238E27FC236}">
+              <a16:creationId xmlns:a16="http://schemas.microsoft.com/office/drawing/2014/main" id="{51DCC368-82B5-4B28-EA87-75A25A9F756F}"/>
+            </a:ext>
+          </a:extLst>
+        </p:cNvPr>
+        <p:cNvGrpSpPr/>
+        <p:nvPr/>
+      </p:nvGrpSpPr>
+      <p:grpSpPr>
+        <a:xfrm>
+          <a:off x="0" y="0"/>
+          <a:ext cx="0" cy="0"/>
+          <a:chOff x="0" y="0"/>
+          <a:chExt cx="0" cy="0"/>
+        </a:xfrm>
+      </p:grpSpPr>
+      <p:grpSp>
+        <p:nvGrpSpPr>
+          <p:cNvPr id="4" name="Gruppieren 3">
+            <a:extLst>
+              <a:ext uri="{FF2B5EF4-FFF2-40B4-BE49-F238E27FC236}">
+                <a16:creationId xmlns:a16="http://schemas.microsoft.com/office/drawing/2014/main" id="{C326AF3A-8E1C-AF11-EB11-B2131B58BA79}"/>
+              </a:ext>
+            </a:extLst>
+          </p:cNvPr>
+          <p:cNvGrpSpPr/>
+          <p:nvPr/>
+        </p:nvGrpSpPr>
+        <p:grpSpPr>
+          <a:xfrm>
+            <a:off x="1992313" y="393601"/>
+            <a:ext cx="8207905" cy="993764"/>
+            <a:chOff x="468311" y="354016"/>
+            <a:chExt cx="8207906" cy="993762"/>
+          </a:xfrm>
+        </p:grpSpPr>
+        <p:sp>
+          <p:nvSpPr>
+            <p:cNvPr id="2" name="Textfeld 1">
+              <a:extLst>
+                <a:ext uri="{FF2B5EF4-FFF2-40B4-BE49-F238E27FC236}">
+                  <a16:creationId xmlns:a16="http://schemas.microsoft.com/office/drawing/2014/main" id="{1448A1C6-3569-E983-A753-D4EB18968808}"/>
+                </a:ext>
+              </a:extLst>
+            </p:cNvPr>
+            <p:cNvSpPr txBox="1"/>
+            <p:nvPr/>
+          </p:nvSpPr>
+          <p:spPr>
+            <a:xfrm>
+              <a:off x="468311" y="518512"/>
+              <a:ext cx="8207906" cy="829266"/>
+            </a:xfrm>
+            <a:prstGeom prst="rect">
+              <a:avLst/>
+            </a:prstGeom>
+            <a:noFill/>
+          </p:spPr>
+          <p:txBody>
+            <a:bodyPr wrap="square" lIns="0" tIns="0" rIns="0" bIns="0" rtlCol="0">
+              <a:noAutofit/>
+            </a:bodyPr>
+            <a:lstStyle/>
+            <a:p>
+              <a:pPr>
+                <a:tabLst>
+                  <a:tab pos="1074712" algn="l"/>
+                </a:tabLst>
+              </a:pPr>
+              <a:endParaRPr lang="de-DE" sz="2133" dirty="0">
+                <a:latin typeface="+mj-lt"/>
+              </a:endParaRPr>
+            </a:p>
+          </p:txBody>
+        </p:sp>
+        <p:cxnSp>
+          <p:nvCxnSpPr>
+            <p:cNvPr id="3" name="Gerade Verbindung 24">
+              <a:extLst>
+                <a:ext uri="{FF2B5EF4-FFF2-40B4-BE49-F238E27FC236}">
+                  <a16:creationId xmlns:a16="http://schemas.microsoft.com/office/drawing/2014/main" id="{7A5C8830-065D-ADEF-43A8-270E78D2F936}"/>
+                </a:ext>
+              </a:extLst>
+            </p:cNvPr>
+            <p:cNvCxnSpPr/>
+            <p:nvPr/>
+          </p:nvCxnSpPr>
+          <p:spPr>
+            <a:xfrm>
+              <a:off x="468312" y="354016"/>
+              <a:ext cx="480000" cy="0"/>
+            </a:xfrm>
+            <a:prstGeom prst="line">
+              <a:avLst/>
+            </a:prstGeom>
+            <a:ln w="38100">
+              <a:solidFill>
+                <a:schemeClr val="tx1"/>
+              </a:solidFill>
+            </a:ln>
+          </p:spPr>
+          <p:style>
+            <a:lnRef idx="1">
+              <a:schemeClr val="accent1"/>
+            </a:lnRef>
+            <a:fillRef idx="0">
+              <a:schemeClr val="accent1"/>
+            </a:fillRef>
+            <a:effectRef idx="0">
+              <a:schemeClr val="accent1"/>
+            </a:effectRef>
+            <a:fontRef idx="minor">
+              <a:schemeClr val="tx1"/>
+            </a:fontRef>
+          </p:style>
+        </p:cxnSp>
+      </p:grpSp>
       <p:sp>
         <p:nvSpPr>
           <p:cNvPr id="6" name="Textfeld 5">
@@ -4204,12 +5130,400 @@
               </a:buClr>
               <a:defRPr/>
             </a:pPr>
+            <a:endParaRPr lang="de-DE" sz="1600" b="1" dirty="0"/>
+          </a:p>
+        </p:txBody>
+      </p:sp>
+    </p:spTree>
+    <p:extLst>
+      <p:ext uri="{BB962C8B-B14F-4D97-AF65-F5344CB8AC3E}">
+        <p14:creationId xmlns:p14="http://schemas.microsoft.com/office/powerpoint/2010/main" val="3923912068"/>
+      </p:ext>
+    </p:extLst>
+  </p:cSld>
+  <p:clrMapOvr>
+    <a:masterClrMapping/>
+  </p:clrMapOvr>
+</p:sld>
+</file>
+
+<file path=ppt/slides/slide4.xml><?xml version="1.0" encoding="utf-8"?>
+<p:sld xmlns:a="http://schemas.openxmlformats.org/drawingml/2006/main" xmlns:r="http://schemas.openxmlformats.org/officeDocument/2006/relationships" xmlns:p="http://schemas.openxmlformats.org/presentationml/2006/main">
+  <p:cSld>
+    <p:spTree>
+      <p:nvGrpSpPr>
+        <p:cNvPr id="1" name="">
+          <a:extLst>
+            <a:ext uri="{FF2B5EF4-FFF2-40B4-BE49-F238E27FC236}">
+              <a16:creationId xmlns:a16="http://schemas.microsoft.com/office/drawing/2014/main" id="{51DCC368-82B5-4B28-EA87-75A25A9F756F}"/>
+            </a:ext>
+          </a:extLst>
+        </p:cNvPr>
+        <p:cNvGrpSpPr/>
+        <p:nvPr/>
+      </p:nvGrpSpPr>
+      <p:grpSpPr>
+        <a:xfrm>
+          <a:off x="0" y="0"/>
+          <a:ext cx="0" cy="0"/>
+          <a:chOff x="0" y="0"/>
+          <a:chExt cx="0" cy="0"/>
+        </a:xfrm>
+      </p:grpSpPr>
+      <p:grpSp>
+        <p:nvGrpSpPr>
+          <p:cNvPr id="4" name="Gruppieren 3">
+            <a:extLst>
+              <a:ext uri="{FF2B5EF4-FFF2-40B4-BE49-F238E27FC236}">
+                <a16:creationId xmlns:a16="http://schemas.microsoft.com/office/drawing/2014/main" id="{C326AF3A-8E1C-AF11-EB11-B2131B58BA79}"/>
+              </a:ext>
+            </a:extLst>
+          </p:cNvPr>
+          <p:cNvGrpSpPr/>
+          <p:nvPr/>
+        </p:nvGrpSpPr>
+        <p:grpSpPr>
+          <a:xfrm>
+            <a:off x="1992313" y="393601"/>
+            <a:ext cx="8207905" cy="993764"/>
+            <a:chOff x="468311" y="354016"/>
+            <a:chExt cx="8207906" cy="993762"/>
+          </a:xfrm>
+        </p:grpSpPr>
+        <p:sp>
+          <p:nvSpPr>
+            <p:cNvPr id="2" name="Textfeld 1">
+              <a:extLst>
+                <a:ext uri="{FF2B5EF4-FFF2-40B4-BE49-F238E27FC236}">
+                  <a16:creationId xmlns:a16="http://schemas.microsoft.com/office/drawing/2014/main" id="{1448A1C6-3569-E983-A753-D4EB18968808}"/>
+                </a:ext>
+              </a:extLst>
+            </p:cNvPr>
+            <p:cNvSpPr txBox="1"/>
+            <p:nvPr/>
+          </p:nvSpPr>
+          <p:spPr>
+            <a:xfrm>
+              <a:off x="468311" y="518512"/>
+              <a:ext cx="8207906" cy="829266"/>
+            </a:xfrm>
+            <a:prstGeom prst="rect">
+              <a:avLst/>
+            </a:prstGeom>
+            <a:noFill/>
+          </p:spPr>
+          <p:txBody>
+            <a:bodyPr wrap="square" lIns="0" tIns="0" rIns="0" bIns="0" rtlCol="0">
+              <a:noAutofit/>
+            </a:bodyPr>
+            <a:lstStyle/>
+            <a:p>
+              <a:pPr>
+                <a:tabLst>
+                  <a:tab pos="1074712" algn="l"/>
+                </a:tabLst>
+              </a:pPr>
+              <a:endParaRPr lang="de-DE" sz="2133" dirty="0">
+                <a:latin typeface="+mj-lt"/>
+              </a:endParaRPr>
+            </a:p>
+          </p:txBody>
+        </p:sp>
+        <p:cxnSp>
+          <p:nvCxnSpPr>
+            <p:cNvPr id="3" name="Gerade Verbindung 24">
+              <a:extLst>
+                <a:ext uri="{FF2B5EF4-FFF2-40B4-BE49-F238E27FC236}">
+                  <a16:creationId xmlns:a16="http://schemas.microsoft.com/office/drawing/2014/main" id="{7A5C8830-065D-ADEF-43A8-270E78D2F936}"/>
+                </a:ext>
+              </a:extLst>
+            </p:cNvPr>
+            <p:cNvCxnSpPr/>
+            <p:nvPr/>
+          </p:nvCxnSpPr>
+          <p:spPr>
+            <a:xfrm>
+              <a:off x="468312" y="354016"/>
+              <a:ext cx="480000" cy="0"/>
+            </a:xfrm>
+            <a:prstGeom prst="line">
+              <a:avLst/>
+            </a:prstGeom>
+            <a:ln w="38100">
+              <a:solidFill>
+                <a:schemeClr val="tx1"/>
+              </a:solidFill>
+            </a:ln>
+          </p:spPr>
+          <p:style>
+            <a:lnRef idx="1">
+              <a:schemeClr val="accent1"/>
+            </a:lnRef>
+            <a:fillRef idx="0">
+              <a:schemeClr val="accent1"/>
+            </a:fillRef>
+            <a:effectRef idx="0">
+              <a:schemeClr val="accent1"/>
+            </a:effectRef>
+            <a:fontRef idx="minor">
+              <a:schemeClr val="tx1"/>
+            </a:fontRef>
+          </p:style>
+        </p:cxnSp>
+      </p:grpSp>
+      <p:sp>
+        <p:nvSpPr>
+          <p:cNvPr id="6" name="Textfeld 5">
+            <a:extLst>
+              <a:ext uri="{FF2B5EF4-FFF2-40B4-BE49-F238E27FC236}">
+                <a16:creationId xmlns:a16="http://schemas.microsoft.com/office/drawing/2014/main" id="{303C4062-5786-9369-E773-BC1BCFA01DB9}"/>
+              </a:ext>
+            </a:extLst>
+          </p:cNvPr>
+          <p:cNvSpPr txBox="1"/>
+          <p:nvPr/>
+        </p:nvSpPr>
+        <p:spPr>
+          <a:xfrm>
+            <a:off x="2024360" y="558097"/>
+            <a:ext cx="8756878" cy="315382"/>
+          </a:xfrm>
+          <a:prstGeom prst="rect">
+            <a:avLst/>
+          </a:prstGeom>
+          <a:noFill/>
+        </p:spPr>
+        <p:txBody>
+          <a:bodyPr wrap="square" lIns="0" tIns="0" rIns="0" bIns="0" rtlCol="0">
+            <a:noAutofit/>
+          </a:bodyPr>
+          <a:lstStyle/>
+          <a:p>
+            <a:pPr defTabSz="179384">
+              <a:buClr>
+                <a:schemeClr val="accent1"/>
+              </a:buClr>
+              <a:defRPr/>
+            </a:pPr>
+            <a:endParaRPr lang="de-DE" sz="1600" b="1" dirty="0"/>
+          </a:p>
+        </p:txBody>
+      </p:sp>
+    </p:spTree>
+    <p:extLst>
+      <p:ext uri="{BB962C8B-B14F-4D97-AF65-F5344CB8AC3E}">
+        <p14:creationId xmlns:p14="http://schemas.microsoft.com/office/powerpoint/2010/main" val="462338690"/>
+      </p:ext>
+    </p:extLst>
+  </p:cSld>
+  <p:clrMapOvr>
+    <a:masterClrMapping/>
+  </p:clrMapOvr>
+</p:sld>
+</file>
+
+<file path=ppt/slides/slide5.xml><?xml version="1.0" encoding="utf-8"?>
+<p:sld xmlns:a="http://schemas.openxmlformats.org/drawingml/2006/main" xmlns:r="http://schemas.openxmlformats.org/officeDocument/2006/relationships" xmlns:p="http://schemas.openxmlformats.org/presentationml/2006/main">
+  <p:cSld>
+    <p:spTree>
+      <p:nvGrpSpPr>
+        <p:cNvPr id="1" name="">
+          <a:extLst>
+            <a:ext uri="{FF2B5EF4-FFF2-40B4-BE49-F238E27FC236}">
+              <a16:creationId xmlns:a16="http://schemas.microsoft.com/office/drawing/2014/main" id="{51DCC368-82B5-4B28-EA87-75A25A9F756F}"/>
+            </a:ext>
+          </a:extLst>
+        </p:cNvPr>
+        <p:cNvGrpSpPr/>
+        <p:nvPr/>
+      </p:nvGrpSpPr>
+      <p:grpSpPr>
+        <a:xfrm>
+          <a:off x="0" y="0"/>
+          <a:ext cx="0" cy="0"/>
+          <a:chOff x="0" y="0"/>
+          <a:chExt cx="0" cy="0"/>
+        </a:xfrm>
+      </p:grpSpPr>
+      <p:grpSp>
+        <p:nvGrpSpPr>
+          <p:cNvPr id="4" name="Gruppieren 3">
+            <a:extLst>
+              <a:ext uri="{FF2B5EF4-FFF2-40B4-BE49-F238E27FC236}">
+                <a16:creationId xmlns:a16="http://schemas.microsoft.com/office/drawing/2014/main" id="{C326AF3A-8E1C-AF11-EB11-B2131B58BA79}"/>
+              </a:ext>
+            </a:extLst>
+          </p:cNvPr>
+          <p:cNvGrpSpPr/>
+          <p:nvPr/>
+        </p:nvGrpSpPr>
+        <p:grpSpPr>
+          <a:xfrm>
+            <a:off x="1992313" y="393601"/>
+            <a:ext cx="8207905" cy="993764"/>
+            <a:chOff x="468311" y="354016"/>
+            <a:chExt cx="8207906" cy="993762"/>
+          </a:xfrm>
+        </p:grpSpPr>
+        <p:sp>
+          <p:nvSpPr>
+            <p:cNvPr id="2" name="Textfeld 1">
+              <a:extLst>
+                <a:ext uri="{FF2B5EF4-FFF2-40B4-BE49-F238E27FC236}">
+                  <a16:creationId xmlns:a16="http://schemas.microsoft.com/office/drawing/2014/main" id="{1448A1C6-3569-E983-A753-D4EB18968808}"/>
+                </a:ext>
+              </a:extLst>
+            </p:cNvPr>
+            <p:cNvSpPr txBox="1"/>
+            <p:nvPr/>
+          </p:nvSpPr>
+          <p:spPr>
+            <a:xfrm>
+              <a:off x="468311" y="518512"/>
+              <a:ext cx="8207906" cy="829266"/>
+            </a:xfrm>
+            <a:prstGeom prst="rect">
+              <a:avLst/>
+            </a:prstGeom>
+            <a:noFill/>
+          </p:spPr>
+          <p:txBody>
+            <a:bodyPr wrap="square" lIns="0" tIns="0" rIns="0" bIns="0" rtlCol="0">
+              <a:noAutofit/>
+            </a:bodyPr>
+            <a:lstStyle/>
+            <a:p>
+              <a:pPr>
+                <a:tabLst>
+                  <a:tab pos="1074712" algn="l"/>
+                </a:tabLst>
+              </a:pPr>
+              <a:endParaRPr lang="de-DE" sz="2133" dirty="0">
+                <a:latin typeface="+mj-lt"/>
+              </a:endParaRPr>
+            </a:p>
+          </p:txBody>
+        </p:sp>
+        <p:cxnSp>
+          <p:nvCxnSpPr>
+            <p:cNvPr id="3" name="Gerade Verbindung 24">
+              <a:extLst>
+                <a:ext uri="{FF2B5EF4-FFF2-40B4-BE49-F238E27FC236}">
+                  <a16:creationId xmlns:a16="http://schemas.microsoft.com/office/drawing/2014/main" id="{7A5C8830-065D-ADEF-43A8-270E78D2F936}"/>
+                </a:ext>
+              </a:extLst>
+            </p:cNvPr>
+            <p:cNvCxnSpPr/>
+            <p:nvPr/>
+          </p:nvCxnSpPr>
+          <p:spPr>
+            <a:xfrm>
+              <a:off x="468312" y="354016"/>
+              <a:ext cx="480000" cy="0"/>
+            </a:xfrm>
+            <a:prstGeom prst="line">
+              <a:avLst/>
+            </a:prstGeom>
+            <a:ln w="38100">
+              <a:solidFill>
+                <a:schemeClr val="tx1"/>
+              </a:solidFill>
+            </a:ln>
+          </p:spPr>
+          <p:style>
+            <a:lnRef idx="1">
+              <a:schemeClr val="accent1"/>
+            </a:lnRef>
+            <a:fillRef idx="0">
+              <a:schemeClr val="accent1"/>
+            </a:fillRef>
+            <a:effectRef idx="0">
+              <a:schemeClr val="accent1"/>
+            </a:effectRef>
+            <a:fontRef idx="minor">
+              <a:schemeClr val="tx1"/>
+            </a:fontRef>
+          </p:style>
+        </p:cxnSp>
+      </p:grpSp>
+      <p:sp>
+        <p:nvSpPr>
+          <p:cNvPr id="6" name="Textfeld 5">
+            <a:extLst>
+              <a:ext uri="{FF2B5EF4-FFF2-40B4-BE49-F238E27FC236}">
+                <a16:creationId xmlns:a16="http://schemas.microsoft.com/office/drawing/2014/main" id="{303C4062-5786-9369-E773-BC1BCFA01DB9}"/>
+              </a:ext>
+            </a:extLst>
+          </p:cNvPr>
+          <p:cNvSpPr txBox="1"/>
+          <p:nvPr/>
+        </p:nvSpPr>
+        <p:spPr>
+          <a:xfrm>
+            <a:off x="2024360" y="558097"/>
+            <a:ext cx="8756878" cy="315382"/>
+          </a:xfrm>
+          <a:prstGeom prst="rect">
+            <a:avLst/>
+          </a:prstGeom>
+          <a:noFill/>
+        </p:spPr>
+        <p:txBody>
+          <a:bodyPr wrap="square" lIns="0" tIns="0" rIns="0" bIns="0" rtlCol="0">
+            <a:noAutofit/>
+          </a:bodyPr>
+          <a:lstStyle/>
+          <a:p>
+            <a:pPr defTabSz="179384">
+              <a:buClr>
+                <a:schemeClr val="accent1"/>
+              </a:buClr>
+              <a:defRPr/>
+            </a:pPr>
+            <a:endParaRPr lang="de-DE" sz="1600" b="1" dirty="0"/>
+          </a:p>
+        </p:txBody>
+      </p:sp>
+      <p:sp>
+        <p:nvSpPr>
+          <p:cNvPr id="8" name="Textfeld 5">
+            <a:extLst>
+              <a:ext uri="{FF2B5EF4-FFF2-40B4-BE49-F238E27FC236}">
+                <a16:creationId xmlns:a16="http://schemas.microsoft.com/office/drawing/2014/main" id="{303C4062-5786-9369-E773-BC1BCFA01DB9}"/>
+              </a:ext>
+            </a:extLst>
+          </p:cNvPr>
+          <p:cNvSpPr txBox="1"/>
+          <p:nvPr/>
+        </p:nvSpPr>
+        <p:spPr>
+          <a:xfrm>
+            <a:off x="1991782" y="558097"/>
+            <a:ext cx="8756878" cy="315382"/>
+          </a:xfrm>
+          <a:prstGeom prst="rect">
+            <a:avLst/>
+          </a:prstGeom>
+          <a:noFill/>
+        </p:spPr>
+        <p:txBody>
+          <a:bodyPr wrap="square" lIns="0" tIns="0" rIns="0" bIns="0" rtlCol="0">
+            <a:noAutofit/>
+          </a:bodyPr>
+          <a:lstStyle/>
+          <a:p>
+            <a:pPr defTabSz="179384">
+              <a:buClr>
+                <a:schemeClr val="accent1"/>
+              </a:buClr>
+              <a:defRPr/>
+            </a:pPr>
             <a:r>
               <a:rPr lang="de-DE" sz="1600" b="1" dirty="0">
                 <a:latin typeface="Roboto Condensed" pitchFamily="2" charset="0"/>
                 <a:ea typeface="Roboto Condensed" pitchFamily="2" charset="0"/>
               </a:rPr>
-              <a:t>Title</a:t>
+              <a:t>Comparision with the paper Mazzoli et al (2017) </a:t>
             </a:r>
             <a:endParaRPr lang="de-DE" sz="1600" b="1" dirty="0"/>
           </a:p>
@@ -4218,7 +5532,7 @@
     </p:spTree>
     <p:extLst>
       <p:ext uri="{BB962C8B-B14F-4D97-AF65-F5344CB8AC3E}">
-        <p14:creationId xmlns:p14="http://schemas.microsoft.com/office/powerpoint/2010/main" val="3123588603"/>
+        <p14:creationId xmlns:p14="http://schemas.microsoft.com/office/powerpoint/2010/main" val="3014978024"/>
       </p:ext>
     </p:extLst>
   </p:cSld>
@@ -4819,6 +6133,21 @@
 </file>
 
 <file path=customXml/item1.xml><?xml version="1.0" encoding="utf-8"?>
+<p:properties xmlns:p="http://schemas.microsoft.com/office/2006/metadata/properties" xmlns:xsi="http://www.w3.org/2001/XMLSchema-instance" xmlns:pc="http://schemas.microsoft.com/office/infopath/2007/PartnerControls">
+  <documentManagement/>
+</p:properties>
+</file>
+
+<file path=customXml/item2.xml><?xml version="1.0" encoding="utf-8"?>
+<?mso-contentType ?>
+<FormTemplates xmlns="http://schemas.microsoft.com/sharepoint/v3/contenttype/forms">
+  <Display>DocumentLibraryForm</Display>
+  <Edit>DocumentLibraryForm</Edit>
+  <New>DocumentLibraryForm</New>
+</FormTemplates>
+</file>
+
+<file path=customXml/item3.xml><?xml version="1.0" encoding="utf-8"?>
 <ct:contentTypeSchema xmlns:ct="http://schemas.microsoft.com/office/2006/metadata/contentType" xmlns:ma="http://schemas.microsoft.com/office/2006/metadata/properties/metaAttributes" ct:_="" ma:_="" ma:contentTypeName="Dokument" ma:contentTypeID="0x010100457A4B779DF2004994FDA7FFBAF057C1" ma:contentTypeVersion="4" ma:contentTypeDescription="Ein neues Dokument erstellen." ma:contentTypeScope="" ma:versionID="b9c010cedd0384542da213a5526d156f">
   <xsd:schema xmlns:xsd="http://www.w3.org/2001/XMLSchema" xmlns:xs="http://www.w3.org/2001/XMLSchema" xmlns:p="http://schemas.microsoft.com/office/2006/metadata/properties" xmlns:ns3="8d9afb84-627d-421d-98c6-744eacbaccfc" targetNamespace="http://schemas.microsoft.com/office/2006/metadata/properties" ma:root="true" ma:fieldsID="1f42a6b97bfd5be52ceda2e33d4f8de7" ns3:_="">
     <xsd:import namespace="8d9afb84-627d-421d-98c6-744eacbaccfc"/>
@@ -4962,22 +6291,31 @@
 </ct:contentTypeSchema>
 </file>
 
-<file path=customXml/item2.xml><?xml version="1.0" encoding="utf-8"?>
-<?mso-contentType ?>
-<FormTemplates xmlns="http://schemas.microsoft.com/sharepoint/v3/contenttype/forms">
-  <Display>DocumentLibraryForm</Display>
-  <Edit>DocumentLibraryForm</Edit>
-  <New>DocumentLibraryForm</New>
-</FormTemplates>
+<file path=customXml/itemProps1.xml><?xml version="1.0" encoding="utf-8"?>
+<ds:datastoreItem xmlns:ds="http://schemas.openxmlformats.org/officeDocument/2006/customXml" ds:itemID="{66326C4D-C6EA-4284-A6E1-7E1BE146DB9E}">
+  <ds:schemaRefs>
+    <ds:schemaRef ds:uri="http://purl.org/dc/elements/1.1/"/>
+    <ds:schemaRef ds:uri="http://purl.org/dc/terms/"/>
+    <ds:schemaRef ds:uri="http://purl.org/dc/dcmitype/"/>
+    <ds:schemaRef ds:uri="http://schemas.openxmlformats.org/package/2006/metadata/core-properties"/>
+    <ds:schemaRef ds:uri="http://www.w3.org/XML/1998/namespace"/>
+    <ds:schemaRef ds:uri="8d9afb84-627d-421d-98c6-744eacbaccfc"/>
+    <ds:schemaRef ds:uri="http://schemas.microsoft.com/office/2006/documentManagement/types"/>
+    <ds:schemaRef ds:uri="http://schemas.microsoft.com/office/infopath/2007/PartnerControls"/>
+    <ds:schemaRef ds:uri="http://schemas.microsoft.com/office/2006/metadata/properties"/>
+  </ds:schemaRefs>
+</ds:datastoreItem>
 </file>
 
-<file path=customXml/item3.xml><?xml version="1.0" encoding="utf-8"?>
-<p:properties xmlns:p="http://schemas.microsoft.com/office/2006/metadata/properties" xmlns:xsi="http://www.w3.org/2001/XMLSchema-instance" xmlns:pc="http://schemas.microsoft.com/office/infopath/2007/PartnerControls">
-  <documentManagement/>
-</p:properties>
+<file path=customXml/itemProps2.xml><?xml version="1.0" encoding="utf-8"?>
+<ds:datastoreItem xmlns:ds="http://schemas.openxmlformats.org/officeDocument/2006/customXml" ds:itemID="{BF037902-366F-4906-963D-8D7C9E47D5B7}">
+  <ds:schemaRefs>
+    <ds:schemaRef ds:uri="http://schemas.microsoft.com/sharepoint/v3/contenttype/forms"/>
+  </ds:schemaRefs>
+</ds:datastoreItem>
 </file>
 
-<file path=customXml/itemProps1.xml><?xml version="1.0" encoding="utf-8"?>
+<file path=customXml/itemProps3.xml><?xml version="1.0" encoding="utf-8"?>
 <ds:datastoreItem xmlns:ds="http://schemas.openxmlformats.org/officeDocument/2006/customXml" ds:itemID="{47298FB8-B047-4739-B8F5-10E25A299A30}">
   <ds:schemaRefs>
     <ds:schemaRef ds:uri="http://schemas.microsoft.com/office/2006/metadata/contentType"/>
@@ -4993,28 +6331,4 @@
     <ds:schemaRef ds:uri="http://schemas.microsoft.com/internal/obd"/>
   </ds:schemaRefs>
 </ds:datastoreItem>
-</file>
-
-<file path=customXml/itemProps2.xml><?xml version="1.0" encoding="utf-8"?>
-<ds:datastoreItem xmlns:ds="http://schemas.openxmlformats.org/officeDocument/2006/customXml" ds:itemID="{BF037902-366F-4906-963D-8D7C9E47D5B7}">
-  <ds:schemaRefs>
-    <ds:schemaRef ds:uri="http://schemas.microsoft.com/sharepoint/v3/contenttype/forms"/>
-  </ds:schemaRefs>
-</ds:datastoreItem>
-</file>
-
-<file path=customXml/itemProps3.xml><?xml version="1.0" encoding="utf-8"?>
-<ds:datastoreItem xmlns:ds="http://schemas.openxmlformats.org/officeDocument/2006/customXml" ds:itemID="{66326C4D-C6EA-4284-A6E1-7E1BE146DB9E}">
-  <ds:schemaRefs>
-    <ds:schemaRef ds:uri="http://purl.org/dc/elements/1.1/"/>
-    <ds:schemaRef ds:uri="http://purl.org/dc/terms/"/>
-    <ds:schemaRef ds:uri="http://purl.org/dc/dcmitype/"/>
-    <ds:schemaRef ds:uri="http://schemas.openxmlformats.org/package/2006/metadata/core-properties"/>
-    <ds:schemaRef ds:uri="http://www.w3.org/XML/1998/namespace"/>
-    <ds:schemaRef ds:uri="8d9afb84-627d-421d-98c6-744eacbaccfc"/>
-    <ds:schemaRef ds:uri="http://schemas.microsoft.com/office/2006/documentManagement/types"/>
-    <ds:schemaRef ds:uri="http://schemas.microsoft.com/office/infopath/2007/PartnerControls"/>
-    <ds:schemaRef ds:uri="http://schemas.microsoft.com/office/2006/metadata/properties"/>
-  </ds:schemaRefs>
-</ds:datastoreItem>
 </file>